--- a/Nuts_and_Bolts.pptx
+++ b/Nuts_and_Bolts.pptx
@@ -14,6 +14,8 @@
     <p:sldId id="262" r:id="rId8"/>
     <p:sldId id="263" r:id="rId9"/>
     <p:sldId id="264" r:id="rId10"/>
+    <p:sldId id="265" r:id="rId11"/>
+    <p:sldId id="266" r:id="rId12"/>
   </p:sldIdLst>
   <p:sldSz cx="12192000" cy="6858000"/>
   <p:notesSz cx="6858000" cy="9144000"/>
@@ -3026,6 +3028,190 @@
 </p:sld>
 </file>
 
+<file path=ppt/slides/slide10.xml><?xml version="1.0" encoding="utf-8"?>
+<p:sld xmlns:a="http://schemas.openxmlformats.org/drawingml/2006/main" xmlns:r="http://schemas.openxmlformats.org/officeDocument/2006/relationships" xmlns:p="http://schemas.openxmlformats.org/presentationml/2006/main">
+  <p:cSld>
+    <p:spTree>
+      <p:nvGrpSpPr>
+        <p:cNvPr id="1" name=""/>
+        <p:cNvGrpSpPr/>
+        <p:nvPr/>
+      </p:nvGrpSpPr>
+      <p:grpSpPr>
+        <a:xfrm>
+          <a:off x="0" y="0"/>
+          <a:ext cx="0" cy="0"/>
+          <a:chOff x="0" y="0"/>
+          <a:chExt cx="0" cy="0"/>
+        </a:xfrm>
+      </p:grpSpPr>
+      <p:sp>
+        <p:nvSpPr>
+          <p:cNvPr id="2" name="Title 1"/>
+          <p:cNvSpPr>
+            <a:spLocks noGrp="1"/>
+          </p:cNvSpPr>
+          <p:nvPr>
+            <p:ph type="title"/>
+          </p:nvPr>
+        </p:nvSpPr>
+        <p:spPr/>
+        <p:txBody>
+          <a:bodyPr/>
+          <a:lstStyle/>
+          <a:p>
+            <a:r>
+              <a:rPr lang="en-US" dirty="0"/>
+              <a:t>Data Types</a:t>
+            </a:r>
+          </a:p>
+        </p:txBody>
+      </p:sp>
+      <p:sp>
+        <p:nvSpPr>
+          <p:cNvPr id="3" name="Content Placeholder 2"/>
+          <p:cNvSpPr>
+            <a:spLocks noGrp="1"/>
+          </p:cNvSpPr>
+          <p:nvPr>
+            <p:ph idx="1"/>
+          </p:nvPr>
+        </p:nvSpPr>
+        <p:spPr/>
+        <p:txBody>
+          <a:bodyPr/>
+          <a:lstStyle/>
+          <a:p>
+            <a:r>
+              <a:rPr lang="en-US" dirty="0"/>
+              <a:t>Prefer contracts that use more native types</a:t>
+            </a:r>
+          </a:p>
+          <a:p>
+            <a:r>
+              <a:rPr lang="en-US" dirty="0"/>
+              <a:t>Simple objects</a:t>
+            </a:r>
+          </a:p>
+          <a:p>
+            <a:r>
+              <a:rPr lang="en-US" dirty="0"/>
+              <a:t>Arrays vs Collections</a:t>
+            </a:r>
+          </a:p>
+          <a:p>
+            <a:r>
+              <a:rPr lang="en-US" dirty="0"/>
+              <a:t>Data like it was returned from a WCF Service </a:t>
+            </a:r>
+          </a:p>
+        </p:txBody>
+      </p:sp>
+    </p:spTree>
+    <p:extLst>
+      <p:ext uri="{BB962C8B-B14F-4D97-AF65-F5344CB8AC3E}">
+        <p14:creationId xmlns:p14="http://schemas.microsoft.com/office/powerpoint/2010/main" val="136735198"/>
+      </p:ext>
+    </p:extLst>
+  </p:cSld>
+  <p:clrMapOvr>
+    <a:masterClrMapping/>
+  </p:clrMapOvr>
+</p:sld>
+</file>
+
+<file path=ppt/slides/slide11.xml><?xml version="1.0" encoding="utf-8"?>
+<p:sld xmlns:a="http://schemas.openxmlformats.org/drawingml/2006/main" xmlns:r="http://schemas.openxmlformats.org/officeDocument/2006/relationships" xmlns:p="http://schemas.openxmlformats.org/presentationml/2006/main">
+  <p:cSld>
+    <p:spTree>
+      <p:nvGrpSpPr>
+        <p:cNvPr id="1" name=""/>
+        <p:cNvGrpSpPr/>
+        <p:nvPr/>
+      </p:nvGrpSpPr>
+      <p:grpSpPr>
+        <a:xfrm>
+          <a:off x="0" y="0"/>
+          <a:ext cx="0" cy="0"/>
+          <a:chOff x="0" y="0"/>
+          <a:chExt cx="0" cy="0"/>
+        </a:xfrm>
+      </p:grpSpPr>
+      <p:sp>
+        <p:nvSpPr>
+          <p:cNvPr id="2" name="Title 1"/>
+          <p:cNvSpPr>
+            <a:spLocks noGrp="1"/>
+          </p:cNvSpPr>
+          <p:nvPr>
+            <p:ph type="title"/>
+          </p:nvPr>
+        </p:nvSpPr>
+        <p:spPr/>
+        <p:txBody>
+          <a:bodyPr/>
+          <a:lstStyle/>
+          <a:p>
+            <a:r>
+              <a:rPr lang="en-US" dirty="0"/>
+              <a:t>Hosting</a:t>
+            </a:r>
+          </a:p>
+        </p:txBody>
+      </p:sp>
+      <p:sp>
+        <p:nvSpPr>
+          <p:cNvPr id="3" name="Content Placeholder 2"/>
+          <p:cNvSpPr>
+            <a:spLocks noGrp="1"/>
+          </p:cNvSpPr>
+          <p:nvPr>
+            <p:ph idx="1"/>
+          </p:nvPr>
+        </p:nvSpPr>
+        <p:spPr/>
+        <p:txBody>
+          <a:bodyPr/>
+          <a:lstStyle/>
+          <a:p>
+            <a:r>
+              <a:rPr lang="en-US" dirty="0"/>
+              <a:t>Varies by project (a lot)</a:t>
+            </a:r>
+          </a:p>
+          <a:p>
+            <a:r>
+              <a:rPr lang="en-US" dirty="0"/>
+              <a:t>We have projects hosting everything in process</a:t>
+            </a:r>
+          </a:p>
+          <a:p>
+            <a:r>
+              <a:rPr lang="en-US" dirty="0"/>
+              <a:t>We have projects where each piece communicates using WCF to call other pieces</a:t>
+            </a:r>
+          </a:p>
+          <a:p>
+            <a:r>
+              <a:rPr lang="en-US" dirty="0"/>
+              <a:t>We have had projects that changed hosting</a:t>
+            </a:r>
+          </a:p>
+        </p:txBody>
+      </p:sp>
+    </p:spTree>
+    <p:extLst>
+      <p:ext uri="{BB962C8B-B14F-4D97-AF65-F5344CB8AC3E}">
+        <p14:creationId xmlns:p14="http://schemas.microsoft.com/office/powerpoint/2010/main" val="1879406116"/>
+      </p:ext>
+    </p:extLst>
+  </p:cSld>
+  <p:clrMapOvr>
+    <a:masterClrMapping/>
+  </p:clrMapOvr>
+</p:sld>
+</file>
+
 <file path=ppt/slides/slide2.xml><?xml version="1.0" encoding="utf-8"?>
 <p:sld xmlns:a="http://schemas.openxmlformats.org/drawingml/2006/main" xmlns:r="http://schemas.openxmlformats.org/officeDocument/2006/relationships" xmlns:p="http://schemas.openxmlformats.org/presentationml/2006/main">
   <p:cSld>
@@ -3727,15 +3913,989 @@
           <a:p>
             <a:r>
               <a:rPr lang="en-US" dirty="0"/>
-              <a:t>Use </a:t>
-            </a:r>
-            <a:r>
-              <a:rPr lang="en-US"/>
-              <a:t>transaction rollback…</a:t>
-            </a:r>
-          </a:p>
-          <a:p>
-            <a:endParaRPr lang="en-US"/>
+              <a:t>Use transaction rollback…</a:t>
+            </a:r>
+          </a:p>
+          <a:p>
+            <a:pPr marL="0" indent="0">
+              <a:buNone/>
+            </a:pPr>
+            <a:endParaRPr lang="en-US" dirty="0"/>
+          </a:p>
+          <a:p>
+            <a:pPr marL="0" indent="0">
+              <a:buNone/>
+            </a:pPr>
+            <a:endParaRPr lang="en-US" dirty="0"/>
+          </a:p>
+          <a:p>
+            <a:pPr marL="0" indent="0">
+              <a:buNone/>
+            </a:pPr>
+            <a:endParaRPr lang="en-US" dirty="0"/>
+          </a:p>
+        </p:txBody>
+      </p:sp>
+      <p:sp>
+        <p:nvSpPr>
+          <p:cNvPr id="4" name="Rectangle 1"/>
+          <p:cNvSpPr>
+            <a:spLocks noChangeArrowheads="1"/>
+          </p:cNvSpPr>
+          <p:nvPr/>
+        </p:nvSpPr>
+        <p:spPr bwMode="auto">
+          <a:xfrm>
+            <a:off x="956789" y="3433542"/>
+            <a:ext cx="12192000" cy="457200"/>
+          </a:xfrm>
+          <a:prstGeom prst="rect">
+            <a:avLst/>
+          </a:prstGeom>
+          <a:solidFill>
+            <a:srgbClr val="FFFFFF"/>
+          </a:solidFill>
+          <a:ln>
+            <a:noFill/>
+          </a:ln>
+          <a:effectLst/>
+          <a:extLst>
+            <a:ext uri="{91240B29-F687-4F45-9708-019B960494DF}">
+              <a14:hiddenLine xmlns:a14="http://schemas.microsoft.com/office/drawing/2010/main" w="9525">
+                <a:solidFill>
+                  <a:schemeClr val="tx1"/>
+                </a:solidFill>
+                <a:miter lim="800000"/>
+                <a:headEnd/>
+                <a:tailEnd/>
+              </a14:hiddenLine>
+            </a:ext>
+            <a:ext uri="{AF507438-7753-43E0-B8FC-AC1667EBCBE1}">
+              <a14:hiddenEffects xmlns:a14="http://schemas.microsoft.com/office/drawing/2010/main">
+                <a:effectLst>
+                  <a:outerShdw dist="35921" dir="2700000" algn="ctr" rotWithShape="0">
+                    <a:schemeClr val="bg2"/>
+                  </a:outerShdw>
+                </a:effectLst>
+              </a14:hiddenEffects>
+            </a:ext>
+          </a:extLst>
+        </p:spPr>
+        <p:txBody>
+          <a:bodyPr vert="horz" wrap="none" lIns="0" tIns="0" rIns="0" bIns="0" numCol="1" anchor="ctr" anchorCtr="0" compatLnSpc="1">
+            <a:prstTxWarp prst="textNoShape">
+              <a:avLst/>
+            </a:prstTxWarp>
+            <a:spAutoFit/>
+          </a:bodyPr>
+          <a:lstStyle/>
+          <a:p>
+            <a:pPr marL="0" marR="0" lvl="0" indent="0" algn="l" defTabSz="914400" rtl="0" eaLnBrk="0" fontAlgn="base" latinLnBrk="0" hangingPunct="0">
+              <a:lnSpc>
+                <a:spcPct val="100000"/>
+              </a:lnSpc>
+              <a:spcBef>
+                <a:spcPct val="0"/>
+              </a:spcBef>
+              <a:spcAft>
+                <a:spcPct val="0"/>
+              </a:spcAft>
+              <a:buClrTx/>
+              <a:buSzTx/>
+              <a:buFontTx/>
+              <a:buNone/>
+              <a:tabLst/>
+            </a:pPr>
+            <a:r>
+              <a:rPr kumimoji="0" lang="en-US" altLang="en-US" sz="1000" b="0" i="0" u="none" strike="noStrike" cap="none" normalizeH="0" baseline="0" dirty="0">
+                <a:ln>
+                  <a:noFill/>
+                </a:ln>
+                <a:solidFill>
+                  <a:srgbClr val="0000FF"/>
+                </a:solidFill>
+                <a:effectLst/>
+                <a:latin typeface="Consolas" panose="020B0609020204030204" pitchFamily="49" charset="0"/>
+                <a:ea typeface="Calibri" panose="020F0502020204030204" pitchFamily="34" charset="0"/>
+                <a:cs typeface="Courier New" panose="02070309020205020404" pitchFamily="49" charset="0"/>
+              </a:rPr>
+              <a:t>private</a:t>
+            </a:r>
+            <a:r>
+              <a:rPr kumimoji="0" lang="en-US" altLang="en-US" sz="1000" b="0" i="0" u="none" strike="noStrike" cap="none" normalizeH="0" baseline="0" dirty="0">
+                <a:ln>
+                  <a:noFill/>
+                </a:ln>
+                <a:solidFill>
+                  <a:srgbClr val="000000"/>
+                </a:solidFill>
+                <a:effectLst/>
+                <a:latin typeface="Consolas" panose="020B0609020204030204" pitchFamily="49" charset="0"/>
+                <a:ea typeface="Calibri" panose="020F0502020204030204" pitchFamily="34" charset="0"/>
+                <a:cs typeface="Courier New" panose="02070309020205020404" pitchFamily="49" charset="0"/>
+              </a:rPr>
+              <a:t> </a:t>
+            </a:r>
+            <a:r>
+              <a:rPr kumimoji="0" lang="en-US" altLang="en-US" sz="1000" b="0" i="0" u="none" strike="noStrike" cap="none" normalizeH="0" baseline="0" dirty="0" err="1">
+                <a:ln>
+                  <a:noFill/>
+                </a:ln>
+                <a:solidFill>
+                  <a:srgbClr val="2B91AF"/>
+                </a:solidFill>
+                <a:effectLst/>
+                <a:latin typeface="Consolas" panose="020B0609020204030204" pitchFamily="49" charset="0"/>
+                <a:ea typeface="Calibri" panose="020F0502020204030204" pitchFamily="34" charset="0"/>
+                <a:cs typeface="Courier New" panose="02070309020205020404" pitchFamily="49" charset="0"/>
+              </a:rPr>
+              <a:t>TransactionScope</a:t>
+            </a:r>
+            <a:r>
+              <a:rPr kumimoji="0" lang="en-US" altLang="en-US" sz="1000" b="0" i="0" u="none" strike="noStrike" cap="none" normalizeH="0" baseline="0" dirty="0">
+                <a:ln>
+                  <a:noFill/>
+                </a:ln>
+                <a:solidFill>
+                  <a:srgbClr val="000000"/>
+                </a:solidFill>
+                <a:effectLst/>
+                <a:latin typeface="Consolas" panose="020B0609020204030204" pitchFamily="49" charset="0"/>
+                <a:ea typeface="Calibri" panose="020F0502020204030204" pitchFamily="34" charset="0"/>
+                <a:cs typeface="Courier New" panose="02070309020205020404" pitchFamily="49" charset="0"/>
+              </a:rPr>
+              <a:t> _</a:t>
+            </a:r>
+            <a:r>
+              <a:rPr kumimoji="0" lang="en-US" altLang="en-US" sz="1000" b="0" i="0" u="none" strike="noStrike" cap="none" normalizeH="0" baseline="0" dirty="0" err="1">
+                <a:ln>
+                  <a:noFill/>
+                </a:ln>
+                <a:solidFill>
+                  <a:srgbClr val="000000"/>
+                </a:solidFill>
+                <a:effectLst/>
+                <a:latin typeface="Consolas" panose="020B0609020204030204" pitchFamily="49" charset="0"/>
+                <a:ea typeface="Calibri" panose="020F0502020204030204" pitchFamily="34" charset="0"/>
+                <a:cs typeface="Courier New" panose="02070309020205020404" pitchFamily="49" charset="0"/>
+              </a:rPr>
+              <a:t>testTransactionScope</a:t>
+            </a:r>
+            <a:r>
+              <a:rPr kumimoji="0" lang="en-US" altLang="en-US" sz="1000" b="0" i="0" u="none" strike="noStrike" cap="none" normalizeH="0" baseline="0" dirty="0">
+                <a:ln>
+                  <a:noFill/>
+                </a:ln>
+                <a:solidFill>
+                  <a:srgbClr val="000000"/>
+                </a:solidFill>
+                <a:effectLst/>
+                <a:latin typeface="Consolas" panose="020B0609020204030204" pitchFamily="49" charset="0"/>
+                <a:ea typeface="Calibri" panose="020F0502020204030204" pitchFamily="34" charset="0"/>
+                <a:cs typeface="Courier New" panose="02070309020205020404" pitchFamily="49" charset="0"/>
+              </a:rPr>
+              <a:t>;</a:t>
+            </a:r>
+            <a:r>
+              <a:rPr kumimoji="0" lang="en-US" altLang="en-US" sz="600" b="0" i="0" u="none" strike="noStrike" cap="none" normalizeH="0" baseline="0" dirty="0">
+                <a:ln>
+                  <a:noFill/>
+                </a:ln>
+                <a:solidFill>
+                  <a:schemeClr val="tx1"/>
+                </a:solidFill>
+                <a:effectLst/>
+              </a:rPr>
+              <a:t> </a:t>
+            </a:r>
+            <a:endParaRPr kumimoji="0" lang="en-US" altLang="en-US" sz="1800" b="0" i="0" u="none" strike="noStrike" cap="none" normalizeH="0" baseline="0" dirty="0">
+              <a:ln>
+                <a:noFill/>
+              </a:ln>
+              <a:solidFill>
+                <a:schemeClr val="tx1"/>
+              </a:solidFill>
+              <a:effectLst/>
+              <a:latin typeface="Arial" panose="020B0604020202020204" pitchFamily="34" charset="0"/>
+            </a:endParaRPr>
+          </a:p>
+          <a:p>
+            <a:pPr marL="0" marR="0" lvl="0" indent="0" algn="l" defTabSz="914400" rtl="0" eaLnBrk="0" fontAlgn="base" latinLnBrk="0" hangingPunct="0">
+              <a:lnSpc>
+                <a:spcPct val="100000"/>
+              </a:lnSpc>
+              <a:spcBef>
+                <a:spcPct val="0"/>
+              </a:spcBef>
+              <a:spcAft>
+                <a:spcPct val="0"/>
+              </a:spcAft>
+              <a:buClrTx/>
+              <a:buSzTx/>
+              <a:buFontTx/>
+              <a:buNone/>
+              <a:tabLst/>
+            </a:pPr>
+            <a:r>
+              <a:rPr kumimoji="0" lang="en-US" altLang="en-US" sz="1100" b="0" i="0" u="none" strike="noStrike" cap="none" normalizeH="0" baseline="0" dirty="0">
+                <a:ln>
+                  <a:noFill/>
+                </a:ln>
+                <a:solidFill>
+                  <a:srgbClr val="1F497D"/>
+                </a:solidFill>
+                <a:effectLst/>
+                <a:latin typeface="Arial" panose="020B0604020202020204" pitchFamily="34" charset="0"/>
+                <a:ea typeface="Calibri" panose="020F0502020204030204" pitchFamily="34" charset="0"/>
+                <a:cs typeface="Times New Roman" panose="02020603050405020304" pitchFamily="18" charset="0"/>
+              </a:rPr>
+              <a:t> </a:t>
+            </a:r>
+            <a:endParaRPr kumimoji="0" lang="en-US" altLang="en-US" sz="600" b="0" i="0" u="none" strike="noStrike" cap="none" normalizeH="0" baseline="0" dirty="0">
+              <a:ln>
+                <a:noFill/>
+              </a:ln>
+              <a:solidFill>
+                <a:schemeClr val="tx1"/>
+              </a:solidFill>
+              <a:effectLst/>
+              <a:latin typeface="Arial" panose="020B0604020202020204" pitchFamily="34" charset="0"/>
+            </a:endParaRPr>
+          </a:p>
+          <a:p>
+            <a:pPr marL="0" marR="0" lvl="0" indent="0" algn="l" defTabSz="914400" rtl="0" eaLnBrk="0" fontAlgn="base" latinLnBrk="0" hangingPunct="0">
+              <a:lnSpc>
+                <a:spcPct val="100000"/>
+              </a:lnSpc>
+              <a:spcBef>
+                <a:spcPct val="0"/>
+              </a:spcBef>
+              <a:spcAft>
+                <a:spcPct val="0"/>
+              </a:spcAft>
+              <a:buClrTx/>
+              <a:buSzTx/>
+              <a:buFontTx/>
+              <a:buNone/>
+              <a:tabLst/>
+            </a:pPr>
+            <a:r>
+              <a:rPr kumimoji="0" lang="en-US" altLang="en-US" sz="1000" b="0" i="0" u="none" strike="noStrike" cap="none" normalizeH="0" baseline="0" dirty="0">
+                <a:ln>
+                  <a:noFill/>
+                </a:ln>
+                <a:solidFill>
+                  <a:srgbClr val="000000"/>
+                </a:solidFill>
+                <a:effectLst/>
+                <a:latin typeface="Consolas" panose="020B0609020204030204" pitchFamily="49" charset="0"/>
+                <a:ea typeface="Calibri" panose="020F0502020204030204" pitchFamily="34" charset="0"/>
+                <a:cs typeface="Courier New" panose="02070309020205020404" pitchFamily="49" charset="0"/>
+              </a:rPr>
+              <a:t>[</a:t>
+            </a:r>
+            <a:r>
+              <a:rPr kumimoji="0" lang="en-US" altLang="en-US" sz="1000" b="0" i="0" u="none" strike="noStrike" cap="none" normalizeH="0" baseline="0" dirty="0" err="1">
+                <a:ln>
+                  <a:noFill/>
+                </a:ln>
+                <a:solidFill>
+                  <a:srgbClr val="2B91AF"/>
+                </a:solidFill>
+                <a:effectLst/>
+                <a:latin typeface="Consolas" panose="020B0609020204030204" pitchFamily="49" charset="0"/>
+                <a:ea typeface="Calibri" panose="020F0502020204030204" pitchFamily="34" charset="0"/>
+                <a:cs typeface="Courier New" panose="02070309020205020404" pitchFamily="49" charset="0"/>
+              </a:rPr>
+              <a:t>TestInitialize</a:t>
+            </a:r>
+            <a:r>
+              <a:rPr kumimoji="0" lang="en-US" altLang="en-US" sz="1000" b="0" i="0" u="none" strike="noStrike" cap="none" normalizeH="0" baseline="0" dirty="0">
+                <a:ln>
+                  <a:noFill/>
+                </a:ln>
+                <a:solidFill>
+                  <a:srgbClr val="000000"/>
+                </a:solidFill>
+                <a:effectLst/>
+                <a:latin typeface="Consolas" panose="020B0609020204030204" pitchFamily="49" charset="0"/>
+                <a:ea typeface="Calibri" panose="020F0502020204030204" pitchFamily="34" charset="0"/>
+                <a:cs typeface="Courier New" panose="02070309020205020404" pitchFamily="49" charset="0"/>
+              </a:rPr>
+              <a:t>()]</a:t>
+            </a:r>
+            <a:r>
+              <a:rPr kumimoji="0" lang="en-US" altLang="en-US" sz="600" b="0" i="0" u="none" strike="noStrike" cap="none" normalizeH="0" baseline="0" dirty="0">
+                <a:ln>
+                  <a:noFill/>
+                </a:ln>
+                <a:solidFill>
+                  <a:schemeClr val="tx1"/>
+                </a:solidFill>
+                <a:effectLst/>
+              </a:rPr>
+              <a:t> </a:t>
+            </a:r>
+            <a:endParaRPr kumimoji="0" lang="en-US" altLang="en-US" sz="1800" b="0" i="0" u="none" strike="noStrike" cap="none" normalizeH="0" baseline="0" dirty="0">
+              <a:ln>
+                <a:noFill/>
+              </a:ln>
+              <a:solidFill>
+                <a:schemeClr val="tx1"/>
+              </a:solidFill>
+              <a:effectLst/>
+              <a:latin typeface="Arial" panose="020B0604020202020204" pitchFamily="34" charset="0"/>
+            </a:endParaRPr>
+          </a:p>
+          <a:p>
+            <a:pPr marL="0" marR="0" lvl="0" indent="0" algn="l" defTabSz="914400" rtl="0" eaLnBrk="0" fontAlgn="base" latinLnBrk="0" hangingPunct="0">
+              <a:lnSpc>
+                <a:spcPct val="100000"/>
+              </a:lnSpc>
+              <a:spcBef>
+                <a:spcPct val="0"/>
+              </a:spcBef>
+              <a:spcAft>
+                <a:spcPct val="0"/>
+              </a:spcAft>
+              <a:buClrTx/>
+              <a:buSzTx/>
+              <a:buFontTx/>
+              <a:buNone/>
+              <a:tabLst/>
+            </a:pPr>
+            <a:r>
+              <a:rPr kumimoji="0" lang="en-US" altLang="en-US" sz="1000" b="0" i="0" u="none" strike="noStrike" cap="none" normalizeH="0" baseline="0" dirty="0">
+                <a:ln>
+                  <a:noFill/>
+                </a:ln>
+                <a:solidFill>
+                  <a:srgbClr val="0000FF"/>
+                </a:solidFill>
+                <a:effectLst/>
+                <a:latin typeface="Consolas" panose="020B0609020204030204" pitchFamily="49" charset="0"/>
+                <a:ea typeface="Calibri" panose="020F0502020204030204" pitchFamily="34" charset="0"/>
+                <a:cs typeface="Times New Roman" panose="02020603050405020304" pitchFamily="18" charset="0"/>
+              </a:rPr>
+              <a:t>public void</a:t>
+            </a:r>
+            <a:r>
+              <a:rPr kumimoji="0" lang="en-US" altLang="en-US" sz="1000" b="0" i="0" u="none" strike="noStrike" cap="none" normalizeH="0" baseline="0" dirty="0">
+                <a:ln>
+                  <a:noFill/>
+                </a:ln>
+                <a:solidFill>
+                  <a:srgbClr val="000000"/>
+                </a:solidFill>
+                <a:effectLst/>
+                <a:latin typeface="Consolas" panose="020B0609020204030204" pitchFamily="49" charset="0"/>
+                <a:ea typeface="Calibri" panose="020F0502020204030204" pitchFamily="34" charset="0"/>
+                <a:cs typeface="Times New Roman" panose="02020603050405020304" pitchFamily="18" charset="0"/>
+              </a:rPr>
+              <a:t> </a:t>
+            </a:r>
+            <a:r>
+              <a:rPr kumimoji="0" lang="en-US" altLang="en-US" sz="1000" b="0" i="0" u="none" strike="noStrike" cap="none" normalizeH="0" baseline="0" dirty="0" err="1">
+                <a:ln>
+                  <a:noFill/>
+                </a:ln>
+                <a:solidFill>
+                  <a:srgbClr val="000000"/>
+                </a:solidFill>
+                <a:effectLst/>
+                <a:latin typeface="Consolas" panose="020B0609020204030204" pitchFamily="49" charset="0"/>
+                <a:ea typeface="Calibri" panose="020F0502020204030204" pitchFamily="34" charset="0"/>
+                <a:cs typeface="Times New Roman" panose="02020603050405020304" pitchFamily="18" charset="0"/>
+              </a:rPr>
+              <a:t>TestInitialize</a:t>
+            </a:r>
+            <a:r>
+              <a:rPr kumimoji="0" lang="en-US" altLang="en-US" sz="1000" b="0" i="0" u="none" strike="noStrike" cap="none" normalizeH="0" baseline="0" dirty="0">
+                <a:ln>
+                  <a:noFill/>
+                </a:ln>
+                <a:solidFill>
+                  <a:srgbClr val="000000"/>
+                </a:solidFill>
+                <a:effectLst/>
+                <a:latin typeface="Consolas" panose="020B0609020204030204" pitchFamily="49" charset="0"/>
+                <a:ea typeface="Calibri" panose="020F0502020204030204" pitchFamily="34" charset="0"/>
+                <a:cs typeface="Times New Roman" panose="02020603050405020304" pitchFamily="18" charset="0"/>
+              </a:rPr>
+              <a:t>()</a:t>
+            </a:r>
+            <a:endParaRPr kumimoji="0" lang="en-US" altLang="en-US" sz="600" b="0" i="0" u="none" strike="noStrike" cap="none" normalizeH="0" baseline="0" dirty="0">
+              <a:ln>
+                <a:noFill/>
+              </a:ln>
+              <a:solidFill>
+                <a:schemeClr val="tx1"/>
+              </a:solidFill>
+              <a:effectLst/>
+            </a:endParaRPr>
+          </a:p>
+          <a:p>
+            <a:pPr marL="0" marR="0" lvl="0" indent="0" algn="l" defTabSz="914400" rtl="0" eaLnBrk="0" fontAlgn="base" latinLnBrk="0" hangingPunct="0">
+              <a:lnSpc>
+                <a:spcPct val="100000"/>
+              </a:lnSpc>
+              <a:spcBef>
+                <a:spcPct val="0"/>
+              </a:spcBef>
+              <a:spcAft>
+                <a:spcPct val="0"/>
+              </a:spcAft>
+              <a:buClrTx/>
+              <a:buSzTx/>
+              <a:buFontTx/>
+              <a:buNone/>
+              <a:tabLst/>
+            </a:pPr>
+            <a:r>
+              <a:rPr kumimoji="0" lang="en-US" altLang="en-US" sz="1000" b="0" i="0" u="none" strike="noStrike" cap="none" normalizeH="0" baseline="0" dirty="0">
+                <a:ln>
+                  <a:noFill/>
+                </a:ln>
+                <a:solidFill>
+                  <a:srgbClr val="000000"/>
+                </a:solidFill>
+                <a:effectLst/>
+                <a:latin typeface="Consolas" panose="020B0609020204030204" pitchFamily="49" charset="0"/>
+                <a:ea typeface="Calibri" panose="020F0502020204030204" pitchFamily="34" charset="0"/>
+                <a:cs typeface="Times New Roman" panose="02020603050405020304" pitchFamily="18" charset="0"/>
+              </a:rPr>
+              <a:t>{</a:t>
+            </a:r>
+            <a:endParaRPr kumimoji="0" lang="en-US" altLang="en-US" sz="600" b="0" i="0" u="none" strike="noStrike" cap="none" normalizeH="0" baseline="0" dirty="0">
+              <a:ln>
+                <a:noFill/>
+              </a:ln>
+              <a:solidFill>
+                <a:schemeClr val="tx1"/>
+              </a:solidFill>
+              <a:effectLst/>
+            </a:endParaRPr>
+          </a:p>
+          <a:p>
+            <a:pPr marL="0" marR="0" lvl="0" indent="0" algn="l" defTabSz="914400" rtl="0" eaLnBrk="0" fontAlgn="base" latinLnBrk="0" hangingPunct="0">
+              <a:lnSpc>
+                <a:spcPct val="100000"/>
+              </a:lnSpc>
+              <a:spcBef>
+                <a:spcPct val="0"/>
+              </a:spcBef>
+              <a:spcAft>
+                <a:spcPct val="0"/>
+              </a:spcAft>
+              <a:buClrTx/>
+              <a:buSzTx/>
+              <a:buFontTx/>
+              <a:buNone/>
+              <a:tabLst/>
+            </a:pPr>
+            <a:r>
+              <a:rPr kumimoji="0" lang="en-US" altLang="en-US" sz="1000" b="0" i="0" u="none" strike="noStrike" cap="none" normalizeH="0" baseline="0" dirty="0">
+                <a:ln>
+                  <a:noFill/>
+                </a:ln>
+                <a:solidFill>
+                  <a:srgbClr val="000000"/>
+                </a:solidFill>
+                <a:effectLst/>
+                <a:latin typeface="Consolas" panose="020B0609020204030204" pitchFamily="49" charset="0"/>
+                <a:ea typeface="Calibri" panose="020F0502020204030204" pitchFamily="34" charset="0"/>
+                <a:cs typeface="Times New Roman" panose="02020603050405020304" pitchFamily="18" charset="0"/>
+              </a:rPr>
+              <a:t>    _</a:t>
+            </a:r>
+            <a:r>
+              <a:rPr kumimoji="0" lang="en-US" altLang="en-US" sz="1000" b="0" i="0" u="none" strike="noStrike" cap="none" normalizeH="0" baseline="0" dirty="0" err="1">
+                <a:ln>
+                  <a:noFill/>
+                </a:ln>
+                <a:solidFill>
+                  <a:srgbClr val="000000"/>
+                </a:solidFill>
+                <a:effectLst/>
+                <a:latin typeface="Consolas" panose="020B0609020204030204" pitchFamily="49" charset="0"/>
+                <a:ea typeface="Calibri" panose="020F0502020204030204" pitchFamily="34" charset="0"/>
+                <a:cs typeface="Times New Roman" panose="02020603050405020304" pitchFamily="18" charset="0"/>
+              </a:rPr>
+              <a:t>testTransactionScope</a:t>
+            </a:r>
+            <a:r>
+              <a:rPr kumimoji="0" lang="en-US" altLang="en-US" sz="1000" b="0" i="0" u="none" strike="noStrike" cap="none" normalizeH="0" baseline="0" dirty="0">
+                <a:ln>
+                  <a:noFill/>
+                </a:ln>
+                <a:solidFill>
+                  <a:srgbClr val="000000"/>
+                </a:solidFill>
+                <a:effectLst/>
+                <a:latin typeface="Consolas" panose="020B0609020204030204" pitchFamily="49" charset="0"/>
+                <a:ea typeface="Calibri" panose="020F0502020204030204" pitchFamily="34" charset="0"/>
+                <a:cs typeface="Times New Roman" panose="02020603050405020304" pitchFamily="18" charset="0"/>
+              </a:rPr>
+              <a:t> = </a:t>
+            </a:r>
+            <a:r>
+              <a:rPr kumimoji="0" lang="en-US" altLang="en-US" sz="1000" b="0" i="0" u="none" strike="noStrike" cap="none" normalizeH="0" baseline="0" dirty="0">
+                <a:ln>
+                  <a:noFill/>
+                </a:ln>
+                <a:solidFill>
+                  <a:srgbClr val="0000FF"/>
+                </a:solidFill>
+                <a:effectLst/>
+                <a:latin typeface="Consolas" panose="020B0609020204030204" pitchFamily="49" charset="0"/>
+                <a:ea typeface="Calibri" panose="020F0502020204030204" pitchFamily="34" charset="0"/>
+                <a:cs typeface="Times New Roman" panose="02020603050405020304" pitchFamily="18" charset="0"/>
+              </a:rPr>
+              <a:t>new</a:t>
+            </a:r>
+            <a:r>
+              <a:rPr kumimoji="0" lang="en-US" altLang="en-US" sz="1000" b="0" i="0" u="none" strike="noStrike" cap="none" normalizeH="0" baseline="0" dirty="0">
+                <a:ln>
+                  <a:noFill/>
+                </a:ln>
+                <a:solidFill>
+                  <a:srgbClr val="000000"/>
+                </a:solidFill>
+                <a:effectLst/>
+                <a:latin typeface="Consolas" panose="020B0609020204030204" pitchFamily="49" charset="0"/>
+                <a:ea typeface="Calibri" panose="020F0502020204030204" pitchFamily="34" charset="0"/>
+                <a:cs typeface="Times New Roman" panose="02020603050405020304" pitchFamily="18" charset="0"/>
+              </a:rPr>
+              <a:t> </a:t>
+            </a:r>
+            <a:r>
+              <a:rPr kumimoji="0" lang="en-US" altLang="en-US" sz="1000" b="0" i="0" u="none" strike="noStrike" cap="none" normalizeH="0" baseline="0" dirty="0" err="1">
+                <a:ln>
+                  <a:noFill/>
+                </a:ln>
+                <a:solidFill>
+                  <a:srgbClr val="2B91AF"/>
+                </a:solidFill>
+                <a:effectLst/>
+                <a:latin typeface="Consolas" panose="020B0609020204030204" pitchFamily="49" charset="0"/>
+                <a:ea typeface="Calibri" panose="020F0502020204030204" pitchFamily="34" charset="0"/>
+                <a:cs typeface="Times New Roman" panose="02020603050405020304" pitchFamily="18" charset="0"/>
+              </a:rPr>
+              <a:t>TransactionScope</a:t>
+            </a:r>
+            <a:r>
+              <a:rPr kumimoji="0" lang="en-US" altLang="en-US" sz="1000" b="0" i="0" u="none" strike="noStrike" cap="none" normalizeH="0" baseline="0" dirty="0">
+                <a:ln>
+                  <a:noFill/>
+                </a:ln>
+                <a:solidFill>
+                  <a:srgbClr val="000000"/>
+                </a:solidFill>
+                <a:effectLst/>
+                <a:latin typeface="Consolas" panose="020B0609020204030204" pitchFamily="49" charset="0"/>
+                <a:ea typeface="Calibri" panose="020F0502020204030204" pitchFamily="34" charset="0"/>
+                <a:cs typeface="Times New Roman" panose="02020603050405020304" pitchFamily="18" charset="0"/>
+              </a:rPr>
+              <a:t>();</a:t>
+            </a:r>
+            <a:endParaRPr kumimoji="0" lang="en-US" altLang="en-US" sz="600" b="0" i="0" u="none" strike="noStrike" cap="none" normalizeH="0" baseline="0" dirty="0">
+              <a:ln>
+                <a:noFill/>
+              </a:ln>
+              <a:solidFill>
+                <a:schemeClr val="tx1"/>
+              </a:solidFill>
+              <a:effectLst/>
+            </a:endParaRPr>
+          </a:p>
+          <a:p>
+            <a:pPr marL="0" marR="0" lvl="0" indent="0" algn="l" defTabSz="914400" rtl="0" eaLnBrk="0" fontAlgn="base" latinLnBrk="0" hangingPunct="0">
+              <a:lnSpc>
+                <a:spcPct val="100000"/>
+              </a:lnSpc>
+              <a:spcBef>
+                <a:spcPct val="0"/>
+              </a:spcBef>
+              <a:spcAft>
+                <a:spcPct val="0"/>
+              </a:spcAft>
+              <a:buClrTx/>
+              <a:buSzTx/>
+              <a:buFontTx/>
+              <a:buNone/>
+              <a:tabLst/>
+            </a:pPr>
+            <a:r>
+              <a:rPr kumimoji="0" lang="en-US" altLang="en-US" sz="1000" b="0" i="0" u="none" strike="noStrike" cap="none" normalizeH="0" baseline="0" dirty="0">
+                <a:ln>
+                  <a:noFill/>
+                </a:ln>
+                <a:solidFill>
+                  <a:srgbClr val="000000"/>
+                </a:solidFill>
+                <a:effectLst/>
+                <a:latin typeface="Consolas" panose="020B0609020204030204" pitchFamily="49" charset="0"/>
+                <a:ea typeface="Calibri" panose="020F0502020204030204" pitchFamily="34" charset="0"/>
+                <a:cs typeface="Times New Roman" panose="02020603050405020304" pitchFamily="18" charset="0"/>
+              </a:rPr>
+              <a:t>}</a:t>
+            </a:r>
+            <a:endParaRPr kumimoji="0" lang="en-US" altLang="en-US" sz="600" b="0" i="0" u="none" strike="noStrike" cap="none" normalizeH="0" baseline="0" dirty="0">
+              <a:ln>
+                <a:noFill/>
+              </a:ln>
+              <a:solidFill>
+                <a:schemeClr val="tx1"/>
+              </a:solidFill>
+              <a:effectLst/>
+            </a:endParaRPr>
+          </a:p>
+          <a:p>
+            <a:pPr marL="0" marR="0" lvl="0" indent="0" algn="l" defTabSz="914400" rtl="0" eaLnBrk="0" fontAlgn="base" latinLnBrk="0" hangingPunct="0">
+              <a:lnSpc>
+                <a:spcPct val="100000"/>
+              </a:lnSpc>
+              <a:spcBef>
+                <a:spcPct val="0"/>
+              </a:spcBef>
+              <a:spcAft>
+                <a:spcPct val="0"/>
+              </a:spcAft>
+              <a:buClrTx/>
+              <a:buSzTx/>
+              <a:buFontTx/>
+              <a:buNone/>
+              <a:tabLst/>
+            </a:pPr>
+            <a:r>
+              <a:rPr kumimoji="0" lang="en-US" altLang="en-US" sz="1000" b="0" i="0" u="none" strike="noStrike" cap="none" normalizeH="0" baseline="0" dirty="0">
+                <a:ln>
+                  <a:noFill/>
+                </a:ln>
+                <a:solidFill>
+                  <a:srgbClr val="000000"/>
+                </a:solidFill>
+                <a:effectLst/>
+                <a:latin typeface="Consolas" panose="020B0609020204030204" pitchFamily="49" charset="0"/>
+                <a:ea typeface="Calibri" panose="020F0502020204030204" pitchFamily="34" charset="0"/>
+                <a:cs typeface="Times New Roman" panose="02020603050405020304" pitchFamily="18" charset="0"/>
+              </a:rPr>
+              <a:t> </a:t>
+            </a:r>
+            <a:endParaRPr kumimoji="0" lang="en-US" altLang="en-US" sz="1000" b="0" i="0" u="none" strike="noStrike" cap="none" normalizeH="0" baseline="0" dirty="0">
+              <a:ln>
+                <a:noFill/>
+              </a:ln>
+              <a:solidFill>
+                <a:srgbClr val="000000"/>
+              </a:solidFill>
+              <a:effectLst/>
+              <a:latin typeface="Consolas" panose="020B0609020204030204" pitchFamily="49" charset="0"/>
+              <a:ea typeface="Calibri" panose="020F0502020204030204" pitchFamily="34" charset="0"/>
+              <a:cs typeface="Courier New" panose="02070309020205020404" pitchFamily="49" charset="0"/>
+            </a:endParaRPr>
+          </a:p>
+          <a:p>
+            <a:pPr marL="0" marR="0" lvl="0" indent="0" algn="l" defTabSz="914400" rtl="0" eaLnBrk="0" fontAlgn="base" latinLnBrk="0" hangingPunct="0">
+              <a:lnSpc>
+                <a:spcPct val="100000"/>
+              </a:lnSpc>
+              <a:spcBef>
+                <a:spcPct val="0"/>
+              </a:spcBef>
+              <a:spcAft>
+                <a:spcPct val="0"/>
+              </a:spcAft>
+              <a:buClrTx/>
+              <a:buSzTx/>
+              <a:buFontTx/>
+              <a:buNone/>
+              <a:tabLst/>
+            </a:pPr>
+            <a:r>
+              <a:rPr kumimoji="0" lang="en-US" altLang="en-US" sz="1000" b="0" i="0" u="none" strike="noStrike" cap="none" normalizeH="0" baseline="0" dirty="0">
+                <a:ln>
+                  <a:noFill/>
+                </a:ln>
+                <a:solidFill>
+                  <a:srgbClr val="000000"/>
+                </a:solidFill>
+                <a:effectLst/>
+                <a:latin typeface="Consolas" panose="020B0609020204030204" pitchFamily="49" charset="0"/>
+                <a:ea typeface="Calibri" panose="020F0502020204030204" pitchFamily="34" charset="0"/>
+                <a:cs typeface="Courier New" panose="02070309020205020404" pitchFamily="49" charset="0"/>
+              </a:rPr>
+              <a:t>[</a:t>
+            </a:r>
+            <a:r>
+              <a:rPr kumimoji="0" lang="en-US" altLang="en-US" sz="1000" b="0" i="0" u="none" strike="noStrike" cap="none" normalizeH="0" baseline="0" dirty="0" err="1">
+                <a:ln>
+                  <a:noFill/>
+                </a:ln>
+                <a:solidFill>
+                  <a:srgbClr val="2B91AF"/>
+                </a:solidFill>
+                <a:effectLst/>
+                <a:latin typeface="Consolas" panose="020B0609020204030204" pitchFamily="49" charset="0"/>
+                <a:ea typeface="Calibri" panose="020F0502020204030204" pitchFamily="34" charset="0"/>
+                <a:cs typeface="Courier New" panose="02070309020205020404" pitchFamily="49" charset="0"/>
+              </a:rPr>
+              <a:t>TestCleanup</a:t>
+            </a:r>
+            <a:r>
+              <a:rPr kumimoji="0" lang="en-US" altLang="en-US" sz="1000" b="0" i="0" u="none" strike="noStrike" cap="none" normalizeH="0" baseline="0" dirty="0">
+                <a:ln>
+                  <a:noFill/>
+                </a:ln>
+                <a:solidFill>
+                  <a:srgbClr val="000000"/>
+                </a:solidFill>
+                <a:effectLst/>
+                <a:latin typeface="Consolas" panose="020B0609020204030204" pitchFamily="49" charset="0"/>
+                <a:ea typeface="Calibri" panose="020F0502020204030204" pitchFamily="34" charset="0"/>
+                <a:cs typeface="Courier New" panose="02070309020205020404" pitchFamily="49" charset="0"/>
+              </a:rPr>
+              <a:t>()]</a:t>
+            </a:r>
+            <a:r>
+              <a:rPr kumimoji="0" lang="en-US" altLang="en-US" sz="1000" b="0" i="0" u="none" strike="noStrike" cap="none" normalizeH="0" baseline="0" dirty="0">
+                <a:ln>
+                  <a:noFill/>
+                </a:ln>
+                <a:solidFill>
+                  <a:srgbClr val="0000FF"/>
+                </a:solidFill>
+                <a:effectLst/>
+                <a:latin typeface="Consolas" panose="020B0609020204030204" pitchFamily="49" charset="0"/>
+                <a:ea typeface="Calibri" panose="020F0502020204030204" pitchFamily="34" charset="0"/>
+                <a:cs typeface="Courier New" panose="02070309020205020404" pitchFamily="49" charset="0"/>
+              </a:rPr>
+              <a:t>public void</a:t>
+            </a:r>
+            <a:r>
+              <a:rPr kumimoji="0" lang="en-US" altLang="en-US" sz="1000" b="0" i="0" u="none" strike="noStrike" cap="none" normalizeH="0" baseline="0" dirty="0">
+                <a:ln>
+                  <a:noFill/>
+                </a:ln>
+                <a:solidFill>
+                  <a:srgbClr val="000000"/>
+                </a:solidFill>
+                <a:effectLst/>
+                <a:latin typeface="Consolas" panose="020B0609020204030204" pitchFamily="49" charset="0"/>
+                <a:ea typeface="Calibri" panose="020F0502020204030204" pitchFamily="34" charset="0"/>
+                <a:cs typeface="Courier New" panose="02070309020205020404" pitchFamily="49" charset="0"/>
+              </a:rPr>
+              <a:t> </a:t>
+            </a:r>
+            <a:r>
+              <a:rPr kumimoji="0" lang="en-US" altLang="en-US" sz="1000" b="0" i="0" u="none" strike="noStrike" cap="none" normalizeH="0" baseline="0" dirty="0" err="1">
+                <a:ln>
+                  <a:noFill/>
+                </a:ln>
+                <a:solidFill>
+                  <a:srgbClr val="000000"/>
+                </a:solidFill>
+                <a:effectLst/>
+                <a:latin typeface="Consolas" panose="020B0609020204030204" pitchFamily="49" charset="0"/>
+                <a:ea typeface="Calibri" panose="020F0502020204030204" pitchFamily="34" charset="0"/>
+                <a:cs typeface="Courier New" panose="02070309020205020404" pitchFamily="49" charset="0"/>
+              </a:rPr>
+              <a:t>TestCleanup</a:t>
+            </a:r>
+            <a:r>
+              <a:rPr kumimoji="0" lang="en-US" altLang="en-US" sz="1000" b="0" i="0" u="none" strike="noStrike" cap="none" normalizeH="0" baseline="0" dirty="0">
+                <a:ln>
+                  <a:noFill/>
+                </a:ln>
+                <a:solidFill>
+                  <a:srgbClr val="000000"/>
+                </a:solidFill>
+                <a:effectLst/>
+                <a:latin typeface="Consolas" panose="020B0609020204030204" pitchFamily="49" charset="0"/>
+                <a:ea typeface="Calibri" panose="020F0502020204030204" pitchFamily="34" charset="0"/>
+                <a:cs typeface="Courier New" panose="02070309020205020404" pitchFamily="49" charset="0"/>
+              </a:rPr>
+              <a:t>()</a:t>
+            </a:r>
+            <a:r>
+              <a:rPr kumimoji="0" lang="en-US" altLang="en-US" sz="600" b="0" i="0" u="none" strike="noStrike" cap="none" normalizeH="0" baseline="0" dirty="0">
+                <a:ln>
+                  <a:noFill/>
+                </a:ln>
+                <a:solidFill>
+                  <a:schemeClr val="tx1"/>
+                </a:solidFill>
+                <a:effectLst/>
+              </a:rPr>
+              <a:t> </a:t>
+            </a:r>
+            <a:endParaRPr kumimoji="0" lang="en-US" altLang="en-US" sz="1800" b="0" i="0" u="none" strike="noStrike" cap="none" normalizeH="0" baseline="0" dirty="0">
+              <a:ln>
+                <a:noFill/>
+              </a:ln>
+              <a:solidFill>
+                <a:schemeClr val="tx1"/>
+              </a:solidFill>
+              <a:effectLst/>
+              <a:latin typeface="Arial" panose="020B0604020202020204" pitchFamily="34" charset="0"/>
+            </a:endParaRPr>
+          </a:p>
+          <a:p>
+            <a:pPr marL="0" marR="0" lvl="0" indent="0" algn="l" defTabSz="914400" rtl="0" eaLnBrk="0" fontAlgn="base" latinLnBrk="0" hangingPunct="0">
+              <a:lnSpc>
+                <a:spcPct val="100000"/>
+              </a:lnSpc>
+              <a:spcBef>
+                <a:spcPct val="0"/>
+              </a:spcBef>
+              <a:spcAft>
+                <a:spcPct val="0"/>
+              </a:spcAft>
+              <a:buClrTx/>
+              <a:buSzTx/>
+              <a:buFontTx/>
+              <a:buNone/>
+              <a:tabLst/>
+            </a:pPr>
+            <a:r>
+              <a:rPr kumimoji="0" lang="en-US" altLang="en-US" sz="1000" b="0" i="0" u="none" strike="noStrike" cap="none" normalizeH="0" baseline="0" dirty="0">
+                <a:ln>
+                  <a:noFill/>
+                </a:ln>
+                <a:solidFill>
+                  <a:srgbClr val="000000"/>
+                </a:solidFill>
+                <a:effectLst/>
+                <a:latin typeface="Consolas" panose="020B0609020204030204" pitchFamily="49" charset="0"/>
+                <a:ea typeface="Calibri" panose="020F0502020204030204" pitchFamily="34" charset="0"/>
+                <a:cs typeface="Times New Roman" panose="02020603050405020304" pitchFamily="18" charset="0"/>
+              </a:rPr>
+              <a:t>{</a:t>
+            </a:r>
+            <a:endParaRPr kumimoji="0" lang="en-US" altLang="en-US" sz="600" b="0" i="0" u="none" strike="noStrike" cap="none" normalizeH="0" baseline="0" dirty="0">
+              <a:ln>
+                <a:noFill/>
+              </a:ln>
+              <a:solidFill>
+                <a:schemeClr val="tx1"/>
+              </a:solidFill>
+              <a:effectLst/>
+            </a:endParaRPr>
+          </a:p>
+          <a:p>
+            <a:pPr marL="0" marR="0" lvl="0" indent="0" algn="l" defTabSz="914400" rtl="0" eaLnBrk="0" fontAlgn="base" latinLnBrk="0" hangingPunct="0">
+              <a:lnSpc>
+                <a:spcPct val="100000"/>
+              </a:lnSpc>
+              <a:spcBef>
+                <a:spcPct val="0"/>
+              </a:spcBef>
+              <a:spcAft>
+                <a:spcPct val="0"/>
+              </a:spcAft>
+              <a:buClrTx/>
+              <a:buSzTx/>
+              <a:buFontTx/>
+              <a:buNone/>
+              <a:tabLst/>
+            </a:pPr>
+            <a:r>
+              <a:rPr kumimoji="0" lang="en-US" altLang="en-US" sz="1000" b="0" i="0" u="none" strike="noStrike" cap="none" normalizeH="0" baseline="0" dirty="0">
+                <a:ln>
+                  <a:noFill/>
+                </a:ln>
+                <a:solidFill>
+                  <a:srgbClr val="000000"/>
+                </a:solidFill>
+                <a:effectLst/>
+                <a:latin typeface="Consolas" panose="020B0609020204030204" pitchFamily="49" charset="0"/>
+                <a:ea typeface="Calibri" panose="020F0502020204030204" pitchFamily="34" charset="0"/>
+                <a:cs typeface="Times New Roman" panose="02020603050405020304" pitchFamily="18" charset="0"/>
+              </a:rPr>
+              <a:t>    _</a:t>
+            </a:r>
+            <a:r>
+              <a:rPr kumimoji="0" lang="en-US" altLang="en-US" sz="1000" b="0" i="0" u="none" strike="noStrike" cap="none" normalizeH="0" baseline="0" dirty="0" err="1">
+                <a:ln>
+                  <a:noFill/>
+                </a:ln>
+                <a:solidFill>
+                  <a:srgbClr val="000000"/>
+                </a:solidFill>
+                <a:effectLst/>
+                <a:latin typeface="Consolas" panose="020B0609020204030204" pitchFamily="49" charset="0"/>
+                <a:ea typeface="Calibri" panose="020F0502020204030204" pitchFamily="34" charset="0"/>
+                <a:cs typeface="Times New Roman" panose="02020603050405020304" pitchFamily="18" charset="0"/>
+              </a:rPr>
+              <a:t>testTransactionScope.Dispose</a:t>
+            </a:r>
+            <a:r>
+              <a:rPr kumimoji="0" lang="en-US" altLang="en-US" sz="1000" b="0" i="0" u="none" strike="noStrike" cap="none" normalizeH="0" baseline="0" dirty="0">
+                <a:ln>
+                  <a:noFill/>
+                </a:ln>
+                <a:solidFill>
+                  <a:srgbClr val="000000"/>
+                </a:solidFill>
+                <a:effectLst/>
+                <a:latin typeface="Consolas" panose="020B0609020204030204" pitchFamily="49" charset="0"/>
+                <a:ea typeface="Calibri" panose="020F0502020204030204" pitchFamily="34" charset="0"/>
+                <a:cs typeface="Times New Roman" panose="02020603050405020304" pitchFamily="18" charset="0"/>
+              </a:rPr>
+              <a:t>();</a:t>
+            </a:r>
+            <a:endParaRPr kumimoji="0" lang="en-US" altLang="en-US" sz="600" b="0" i="0" u="none" strike="noStrike" cap="none" normalizeH="0" baseline="0" dirty="0">
+              <a:ln>
+                <a:noFill/>
+              </a:ln>
+              <a:solidFill>
+                <a:schemeClr val="tx1"/>
+              </a:solidFill>
+              <a:effectLst/>
+            </a:endParaRPr>
+          </a:p>
+          <a:p>
+            <a:pPr marL="0" marR="0" lvl="0" indent="0" algn="l" defTabSz="914400" rtl="0" eaLnBrk="0" fontAlgn="base" latinLnBrk="0" hangingPunct="0">
+              <a:lnSpc>
+                <a:spcPct val="100000"/>
+              </a:lnSpc>
+              <a:spcBef>
+                <a:spcPct val="0"/>
+              </a:spcBef>
+              <a:spcAft>
+                <a:spcPct val="0"/>
+              </a:spcAft>
+              <a:buClrTx/>
+              <a:buSzTx/>
+              <a:buFontTx/>
+              <a:buNone/>
+              <a:tabLst/>
+            </a:pPr>
+            <a:r>
+              <a:rPr kumimoji="0" lang="en-US" altLang="en-US" sz="1000" b="0" i="0" u="none" strike="noStrike" cap="none" normalizeH="0" baseline="0" dirty="0">
+                <a:ln>
+                  <a:noFill/>
+                </a:ln>
+                <a:solidFill>
+                  <a:srgbClr val="000000"/>
+                </a:solidFill>
+                <a:effectLst/>
+                <a:latin typeface="Consolas" panose="020B0609020204030204" pitchFamily="49" charset="0"/>
+                <a:ea typeface="Calibri" panose="020F0502020204030204" pitchFamily="34" charset="0"/>
+                <a:cs typeface="Times New Roman" panose="02020603050405020304" pitchFamily="18" charset="0"/>
+              </a:rPr>
+              <a:t>}</a:t>
+            </a:r>
+            <a:endParaRPr kumimoji="0" lang="en-US" altLang="en-US" sz="1800" b="0" i="0" u="none" strike="noStrike" cap="none" normalizeH="0" baseline="0" dirty="0">
+              <a:ln>
+                <a:noFill/>
+              </a:ln>
+              <a:solidFill>
+                <a:schemeClr val="tx1"/>
+              </a:solidFill>
+              <a:effectLst/>
+              <a:latin typeface="Arial" panose="020B0604020202020204" pitchFamily="34" charset="0"/>
+            </a:endParaRPr>
           </a:p>
         </p:txBody>
       </p:sp>
